--- a/ui/PointCloudSegSys/样板.pptx
+++ b/ui/PointCloudSegSys/样板.pptx
@@ -211,7 +211,7 @@
           <a:p>
             <a:fld id="{218DE812-30F2-49B3-B752-0824645FC1CD}" type="datetimeFigureOut">
               <a:rPr lang="zh-CN" altLang="en-US" smtClean="0"/>
-              <a:t>2025/2/17</a:t>
+              <a:t>2025/3/10</a:t>
             </a:fld>
             <a:endParaRPr lang="zh-CN" altLang="en-US"/>
           </a:p>
@@ -709,7 +709,7 @@
           <a:p>
             <a:fld id="{6E240C74-757F-4310-AB7A-242CABF559D3}" type="datetimeFigureOut">
               <a:rPr lang="zh-CN" altLang="en-US" smtClean="0"/>
-              <a:t>2025/2/16</a:t>
+              <a:t>2025/3/10</a:t>
             </a:fld>
             <a:endParaRPr lang="zh-CN" altLang="en-US"/>
           </a:p>
@@ -907,7 +907,7 @@
           <a:p>
             <a:fld id="{6E240C74-757F-4310-AB7A-242CABF559D3}" type="datetimeFigureOut">
               <a:rPr lang="zh-CN" altLang="en-US" smtClean="0"/>
-              <a:t>2025/2/16</a:t>
+              <a:t>2025/3/10</a:t>
             </a:fld>
             <a:endParaRPr lang="zh-CN" altLang="en-US"/>
           </a:p>
@@ -1115,7 +1115,7 @@
           <a:p>
             <a:fld id="{6E240C74-757F-4310-AB7A-242CABF559D3}" type="datetimeFigureOut">
               <a:rPr lang="zh-CN" altLang="en-US" smtClean="0"/>
-              <a:t>2025/2/16</a:t>
+              <a:t>2025/3/10</a:t>
             </a:fld>
             <a:endParaRPr lang="zh-CN" altLang="en-US"/>
           </a:p>
@@ -1313,7 +1313,7 @@
           <a:p>
             <a:fld id="{6E240C74-757F-4310-AB7A-242CABF559D3}" type="datetimeFigureOut">
               <a:rPr lang="zh-CN" altLang="en-US" smtClean="0"/>
-              <a:t>2025/2/16</a:t>
+              <a:t>2025/3/10</a:t>
             </a:fld>
             <a:endParaRPr lang="zh-CN" altLang="en-US"/>
           </a:p>
@@ -1588,7 +1588,7 @@
           <a:p>
             <a:fld id="{6E240C74-757F-4310-AB7A-242CABF559D3}" type="datetimeFigureOut">
               <a:rPr lang="zh-CN" altLang="en-US" smtClean="0"/>
-              <a:t>2025/2/16</a:t>
+              <a:t>2025/3/10</a:t>
             </a:fld>
             <a:endParaRPr lang="zh-CN" altLang="en-US"/>
           </a:p>
@@ -1853,7 +1853,7 @@
           <a:p>
             <a:fld id="{6E240C74-757F-4310-AB7A-242CABF559D3}" type="datetimeFigureOut">
               <a:rPr lang="zh-CN" altLang="en-US" smtClean="0"/>
-              <a:t>2025/2/16</a:t>
+              <a:t>2025/3/10</a:t>
             </a:fld>
             <a:endParaRPr lang="zh-CN" altLang="en-US"/>
           </a:p>
@@ -2265,7 +2265,7 @@
           <a:p>
             <a:fld id="{6E240C74-757F-4310-AB7A-242CABF559D3}" type="datetimeFigureOut">
               <a:rPr lang="zh-CN" altLang="en-US" smtClean="0"/>
-              <a:t>2025/2/16</a:t>
+              <a:t>2025/3/10</a:t>
             </a:fld>
             <a:endParaRPr lang="zh-CN" altLang="en-US"/>
           </a:p>
@@ -2406,7 +2406,7 @@
           <a:p>
             <a:fld id="{6E240C74-757F-4310-AB7A-242CABF559D3}" type="datetimeFigureOut">
               <a:rPr lang="zh-CN" altLang="en-US" smtClean="0"/>
-              <a:t>2025/2/16</a:t>
+              <a:t>2025/3/10</a:t>
             </a:fld>
             <a:endParaRPr lang="zh-CN" altLang="en-US"/>
           </a:p>
@@ -2519,7 +2519,7 @@
           <a:p>
             <a:fld id="{6E240C74-757F-4310-AB7A-242CABF559D3}" type="datetimeFigureOut">
               <a:rPr lang="zh-CN" altLang="en-US" smtClean="0"/>
-              <a:t>2025/2/16</a:t>
+              <a:t>2025/3/10</a:t>
             </a:fld>
             <a:endParaRPr lang="zh-CN" altLang="en-US"/>
           </a:p>
@@ -2830,7 +2830,7 @@
           <a:p>
             <a:fld id="{6E240C74-757F-4310-AB7A-242CABF559D3}" type="datetimeFigureOut">
               <a:rPr lang="zh-CN" altLang="en-US" smtClean="0"/>
-              <a:t>2025/2/16</a:t>
+              <a:t>2025/3/10</a:t>
             </a:fld>
             <a:endParaRPr lang="zh-CN" altLang="en-US"/>
           </a:p>
@@ -3118,7 +3118,7 @@
           <a:p>
             <a:fld id="{6E240C74-757F-4310-AB7A-242CABF559D3}" type="datetimeFigureOut">
               <a:rPr lang="zh-CN" altLang="en-US" smtClean="0"/>
-              <a:t>2025/2/16</a:t>
+              <a:t>2025/3/10</a:t>
             </a:fld>
             <a:endParaRPr lang="zh-CN" altLang="en-US"/>
           </a:p>
@@ -3359,7 +3359,7 @@
           <a:p>
             <a:fld id="{6E240C74-757F-4310-AB7A-242CABF559D3}" type="datetimeFigureOut">
               <a:rPr lang="zh-CN" altLang="en-US" smtClean="0"/>
-              <a:t>2025/2/16</a:t>
+              <a:t>2025/3/10</a:t>
             </a:fld>
             <a:endParaRPr lang="zh-CN" altLang="en-US"/>
           </a:p>

--- a/ui/PointCloudSegSys/样板.pptx
+++ b/ui/PointCloudSegSys/样板.pptx
@@ -5,13 +5,14 @@
     <p:sldMasterId id="2147483648" r:id="rId1"/>
   </p:sldMasterIdLst>
   <p:notesMasterIdLst>
-    <p:notesMasterId r:id="rId6"/>
+    <p:notesMasterId r:id="rId7"/>
   </p:notesMasterIdLst>
   <p:sldIdLst>
     <p:sldId id="256" r:id="rId2"/>
     <p:sldId id="257" r:id="rId3"/>
     <p:sldId id="258" r:id="rId4"/>
     <p:sldId id="259" r:id="rId5"/>
+    <p:sldId id="260" r:id="rId6"/>
   </p:sldIdLst>
   <p:sldSz cx="12192000" cy="6858000"/>
   <p:notesSz cx="6858000" cy="9144000"/>
@@ -211,7 +212,7 @@
           <a:p>
             <a:fld id="{218DE812-30F2-49B3-B752-0824645FC1CD}" type="datetimeFigureOut">
               <a:rPr lang="zh-CN" altLang="en-US" smtClean="0"/>
-              <a:t>2025/3/10</a:t>
+              <a:t>2025/3/12</a:t>
             </a:fld>
             <a:endParaRPr lang="zh-CN" altLang="en-US"/>
           </a:p>
@@ -709,7 +710,7 @@
           <a:p>
             <a:fld id="{6E240C74-757F-4310-AB7A-242CABF559D3}" type="datetimeFigureOut">
               <a:rPr lang="zh-CN" altLang="en-US" smtClean="0"/>
-              <a:t>2025/3/10</a:t>
+              <a:t>2025/3/12</a:t>
             </a:fld>
             <a:endParaRPr lang="zh-CN" altLang="en-US"/>
           </a:p>
@@ -907,7 +908,7 @@
           <a:p>
             <a:fld id="{6E240C74-757F-4310-AB7A-242CABF559D3}" type="datetimeFigureOut">
               <a:rPr lang="zh-CN" altLang="en-US" smtClean="0"/>
-              <a:t>2025/3/10</a:t>
+              <a:t>2025/3/12</a:t>
             </a:fld>
             <a:endParaRPr lang="zh-CN" altLang="en-US"/>
           </a:p>
@@ -1115,7 +1116,7 @@
           <a:p>
             <a:fld id="{6E240C74-757F-4310-AB7A-242CABF559D3}" type="datetimeFigureOut">
               <a:rPr lang="zh-CN" altLang="en-US" smtClean="0"/>
-              <a:t>2025/3/10</a:t>
+              <a:t>2025/3/12</a:t>
             </a:fld>
             <a:endParaRPr lang="zh-CN" altLang="en-US"/>
           </a:p>
@@ -1313,7 +1314,7 @@
           <a:p>
             <a:fld id="{6E240C74-757F-4310-AB7A-242CABF559D3}" type="datetimeFigureOut">
               <a:rPr lang="zh-CN" altLang="en-US" smtClean="0"/>
-              <a:t>2025/3/10</a:t>
+              <a:t>2025/3/12</a:t>
             </a:fld>
             <a:endParaRPr lang="zh-CN" altLang="en-US"/>
           </a:p>
@@ -1588,7 +1589,7 @@
           <a:p>
             <a:fld id="{6E240C74-757F-4310-AB7A-242CABF559D3}" type="datetimeFigureOut">
               <a:rPr lang="zh-CN" altLang="en-US" smtClean="0"/>
-              <a:t>2025/3/10</a:t>
+              <a:t>2025/3/12</a:t>
             </a:fld>
             <a:endParaRPr lang="zh-CN" altLang="en-US"/>
           </a:p>
@@ -1853,7 +1854,7 @@
           <a:p>
             <a:fld id="{6E240C74-757F-4310-AB7A-242CABF559D3}" type="datetimeFigureOut">
               <a:rPr lang="zh-CN" altLang="en-US" smtClean="0"/>
-              <a:t>2025/3/10</a:t>
+              <a:t>2025/3/12</a:t>
             </a:fld>
             <a:endParaRPr lang="zh-CN" altLang="en-US"/>
           </a:p>
@@ -2265,7 +2266,7 @@
           <a:p>
             <a:fld id="{6E240C74-757F-4310-AB7A-242CABF559D3}" type="datetimeFigureOut">
               <a:rPr lang="zh-CN" altLang="en-US" smtClean="0"/>
-              <a:t>2025/3/10</a:t>
+              <a:t>2025/3/12</a:t>
             </a:fld>
             <a:endParaRPr lang="zh-CN" altLang="en-US"/>
           </a:p>
@@ -2406,7 +2407,7 @@
           <a:p>
             <a:fld id="{6E240C74-757F-4310-AB7A-242CABF559D3}" type="datetimeFigureOut">
               <a:rPr lang="zh-CN" altLang="en-US" smtClean="0"/>
-              <a:t>2025/3/10</a:t>
+              <a:t>2025/3/12</a:t>
             </a:fld>
             <a:endParaRPr lang="zh-CN" altLang="en-US"/>
           </a:p>
@@ -2519,7 +2520,7 @@
           <a:p>
             <a:fld id="{6E240C74-757F-4310-AB7A-242CABF559D3}" type="datetimeFigureOut">
               <a:rPr lang="zh-CN" altLang="en-US" smtClean="0"/>
-              <a:t>2025/3/10</a:t>
+              <a:t>2025/3/12</a:t>
             </a:fld>
             <a:endParaRPr lang="zh-CN" altLang="en-US"/>
           </a:p>
@@ -2830,7 +2831,7 @@
           <a:p>
             <a:fld id="{6E240C74-757F-4310-AB7A-242CABF559D3}" type="datetimeFigureOut">
               <a:rPr lang="zh-CN" altLang="en-US" smtClean="0"/>
-              <a:t>2025/3/10</a:t>
+              <a:t>2025/3/12</a:t>
             </a:fld>
             <a:endParaRPr lang="zh-CN" altLang="en-US"/>
           </a:p>
@@ -3118,7 +3119,7 @@
           <a:p>
             <a:fld id="{6E240C74-757F-4310-AB7A-242CABF559D3}" type="datetimeFigureOut">
               <a:rPr lang="zh-CN" altLang="en-US" smtClean="0"/>
-              <a:t>2025/3/10</a:t>
+              <a:t>2025/3/12</a:t>
             </a:fld>
             <a:endParaRPr lang="zh-CN" altLang="en-US"/>
           </a:p>
@@ -3359,7 +3360,7 @@
           <a:p>
             <a:fld id="{6E240C74-757F-4310-AB7A-242CABF559D3}" type="datetimeFigureOut">
               <a:rPr lang="zh-CN" altLang="en-US" smtClean="0"/>
-              <a:t>2025/3/10</a:t>
+              <a:t>2025/3/12</a:t>
             </a:fld>
             <a:endParaRPr lang="zh-CN" altLang="en-US"/>
           </a:p>
@@ -39067,6 +39068,816 @@
 </p:sld>
 </file>
 
+<file path=ppt/slides/slide5.xml><?xml version="1.0" encoding="utf-8"?>
+<p:sld xmlns:a="http://schemas.openxmlformats.org/drawingml/2006/main" xmlns:r="http://schemas.openxmlformats.org/officeDocument/2006/relationships" xmlns:p="http://schemas.openxmlformats.org/presentationml/2006/main">
+  <p:cSld>
+    <p:spTree>
+      <p:nvGrpSpPr>
+        <p:cNvPr id="1" name=""/>
+        <p:cNvGrpSpPr/>
+        <p:nvPr/>
+      </p:nvGrpSpPr>
+      <p:grpSpPr>
+        <a:xfrm>
+          <a:off x="0" y="0"/>
+          <a:ext cx="0" cy="0"/>
+          <a:chOff x="0" y="0"/>
+          <a:chExt cx="0" cy="0"/>
+        </a:xfrm>
+      </p:grpSpPr>
+      <p:sp>
+        <p:nvSpPr>
+          <p:cNvPr id="4" name="ar-camera_207853">
+            <a:extLst>
+              <a:ext uri="{FF2B5EF4-FFF2-40B4-BE49-F238E27FC236}">
+                <a16:creationId xmlns:a16="http://schemas.microsoft.com/office/drawing/2014/main" id="{9DE6D73A-EA84-898F-1E61-EA88A64A5258}"/>
+              </a:ext>
+            </a:extLst>
+          </p:cNvPr>
+          <p:cNvSpPr/>
+          <p:nvPr/>
+        </p:nvSpPr>
+        <p:spPr>
+          <a:xfrm>
+            <a:off x="4377158" y="1712755"/>
+            <a:ext cx="3437684" cy="3432491"/>
+          </a:xfrm>
+          <a:custGeom>
+            <a:avLst/>
+            <a:gdLst>
+              <a:gd name="connsiteX0" fmla="*/ 602275 w 602487"/>
+              <a:gd name="connsiteY0" fmla="*/ 602275 w 602487"/>
+              <a:gd name="connsiteX1" fmla="*/ 602275 w 602487"/>
+              <a:gd name="connsiteY1" fmla="*/ 602275 w 602487"/>
+              <a:gd name="connsiteX2" fmla="*/ 602275 w 602487"/>
+              <a:gd name="connsiteY2" fmla="*/ 602275 w 602487"/>
+              <a:gd name="connsiteX3" fmla="*/ 602275 w 602487"/>
+              <a:gd name="connsiteY3" fmla="*/ 602275 w 602487"/>
+              <a:gd name="connsiteX4" fmla="*/ 602275 w 602487"/>
+              <a:gd name="connsiteY4" fmla="*/ 602275 w 602487"/>
+              <a:gd name="connsiteX5" fmla="*/ 602275 w 602487"/>
+              <a:gd name="connsiteY5" fmla="*/ 602275 w 602487"/>
+              <a:gd name="connsiteX6" fmla="*/ 602275 w 602487"/>
+              <a:gd name="connsiteY6" fmla="*/ 602275 w 602487"/>
+              <a:gd name="connsiteX7" fmla="*/ 602275 w 602487"/>
+              <a:gd name="connsiteY7" fmla="*/ 602275 w 602487"/>
+              <a:gd name="connsiteX8" fmla="*/ 602275 w 602487"/>
+              <a:gd name="connsiteY8" fmla="*/ 602275 w 602487"/>
+              <a:gd name="connsiteX9" fmla="*/ 602275 w 602487"/>
+              <a:gd name="connsiteY9" fmla="*/ 602275 w 602487"/>
+              <a:gd name="connsiteX10" fmla="*/ 602275 w 602487"/>
+              <a:gd name="connsiteY10" fmla="*/ 602275 w 602487"/>
+              <a:gd name="connsiteX11" fmla="*/ 602275 w 602487"/>
+              <a:gd name="connsiteY11" fmla="*/ 602275 w 602487"/>
+              <a:gd name="connsiteX12" fmla="*/ 602275 w 602487"/>
+              <a:gd name="connsiteY12" fmla="*/ 602275 w 602487"/>
+              <a:gd name="connsiteX13" fmla="*/ 602275 w 602487"/>
+              <a:gd name="connsiteY13" fmla="*/ 602275 w 602487"/>
+              <a:gd name="connsiteX14" fmla="*/ 602275 w 602487"/>
+              <a:gd name="connsiteY14" fmla="*/ 602275 w 602487"/>
+              <a:gd name="connsiteX15" fmla="*/ 602275 w 602487"/>
+              <a:gd name="connsiteY15" fmla="*/ 602275 w 602487"/>
+              <a:gd name="connsiteX16" fmla="*/ 602275 w 602487"/>
+              <a:gd name="connsiteY16" fmla="*/ 602275 w 602487"/>
+              <a:gd name="connsiteX17" fmla="*/ 602275 w 602487"/>
+              <a:gd name="connsiteY17" fmla="*/ 602275 w 602487"/>
+              <a:gd name="connsiteX18" fmla="*/ 602275 w 602487"/>
+              <a:gd name="connsiteY18" fmla="*/ 602275 w 602487"/>
+              <a:gd name="connsiteX19" fmla="*/ 602275 w 602487"/>
+              <a:gd name="connsiteY19" fmla="*/ 602275 w 602487"/>
+              <a:gd name="connsiteX20" fmla="*/ 602275 w 602487"/>
+              <a:gd name="connsiteY20" fmla="*/ 602275 w 602487"/>
+              <a:gd name="connsiteX21" fmla="*/ 602275 w 602487"/>
+              <a:gd name="connsiteY21" fmla="*/ 602275 w 602487"/>
+              <a:gd name="connsiteX22" fmla="*/ 602275 w 602487"/>
+              <a:gd name="connsiteY22" fmla="*/ 602275 w 602487"/>
+              <a:gd name="connsiteX23" fmla="*/ 602275 w 602487"/>
+              <a:gd name="connsiteY23" fmla="*/ 602275 w 602487"/>
+              <a:gd name="connsiteX24" fmla="*/ 602275 w 602487"/>
+              <a:gd name="connsiteY24" fmla="*/ 602275 w 602487"/>
+              <a:gd name="connsiteX25" fmla="*/ 602275 w 602487"/>
+              <a:gd name="connsiteY25" fmla="*/ 602275 w 602487"/>
+              <a:gd name="connsiteX26" fmla="*/ 602275 w 602487"/>
+              <a:gd name="connsiteY26" fmla="*/ 602275 w 602487"/>
+              <a:gd name="connsiteX27" fmla="*/ 602275 w 602487"/>
+              <a:gd name="connsiteY27" fmla="*/ 602275 w 602487"/>
+              <a:gd name="connsiteX28" fmla="*/ 602275 w 602487"/>
+              <a:gd name="connsiteY28" fmla="*/ 602275 w 602487"/>
+              <a:gd name="connsiteX29" fmla="*/ 602275 w 602487"/>
+              <a:gd name="connsiteY29" fmla="*/ 602275 w 602487"/>
+              <a:gd name="connsiteX30" fmla="*/ 602275 w 602487"/>
+              <a:gd name="connsiteY30" fmla="*/ 602275 w 602487"/>
+              <a:gd name="connsiteX31" fmla="*/ 602275 w 602487"/>
+              <a:gd name="connsiteY31" fmla="*/ 602275 w 602487"/>
+              <a:gd name="connsiteX32" fmla="*/ 602275 w 602487"/>
+              <a:gd name="connsiteY32" fmla="*/ 602275 w 602487"/>
+              <a:gd name="connsiteX33" fmla="*/ 602275 w 602487"/>
+              <a:gd name="connsiteY33" fmla="*/ 602275 w 602487"/>
+              <a:gd name="connsiteX34" fmla="*/ 602275 w 602487"/>
+              <a:gd name="connsiteY34" fmla="*/ 602275 w 602487"/>
+              <a:gd name="connsiteX35" fmla="*/ 602275 w 602487"/>
+              <a:gd name="connsiteY35" fmla="*/ 602275 w 602487"/>
+              <a:gd name="connsiteX36" fmla="*/ 602275 w 602487"/>
+              <a:gd name="connsiteY36" fmla="*/ 602275 w 602487"/>
+              <a:gd name="connsiteX37" fmla="*/ 602275 w 602487"/>
+              <a:gd name="connsiteY37" fmla="*/ 602275 w 602487"/>
+              <a:gd name="connsiteX38" fmla="*/ 602275 w 602487"/>
+              <a:gd name="connsiteY38" fmla="*/ 602275 w 602487"/>
+              <a:gd name="connsiteX39" fmla="*/ 602275 w 602487"/>
+              <a:gd name="connsiteY39" fmla="*/ 602275 w 602487"/>
+              <a:gd name="connsiteX40" fmla="*/ 602275 w 602487"/>
+              <a:gd name="connsiteY40" fmla="*/ 602275 w 602487"/>
+              <a:gd name="connsiteX41" fmla="*/ 602275 w 602487"/>
+              <a:gd name="connsiteY41" fmla="*/ 602275 w 602487"/>
+              <a:gd name="connsiteX42" fmla="*/ 602275 w 602487"/>
+              <a:gd name="connsiteY42" fmla="*/ 602275 w 602487"/>
+              <a:gd name="connsiteX43" fmla="*/ 602275 w 602487"/>
+              <a:gd name="connsiteY43" fmla="*/ 602275 w 602487"/>
+              <a:gd name="connsiteX44" fmla="*/ 602275 w 602487"/>
+              <a:gd name="connsiteY44" fmla="*/ 602275 w 602487"/>
+              <a:gd name="connsiteX45" fmla="*/ 602275 w 602487"/>
+              <a:gd name="connsiteY45" fmla="*/ 602275 w 602487"/>
+              <a:gd name="connsiteX46" fmla="*/ 602275 w 602487"/>
+              <a:gd name="connsiteY46" fmla="*/ 602275 w 602487"/>
+              <a:gd name="connsiteX47" fmla="*/ 602275 w 602487"/>
+              <a:gd name="connsiteY47" fmla="*/ 602275 w 602487"/>
+              <a:gd name="connsiteX48" fmla="*/ 602275 w 602487"/>
+              <a:gd name="connsiteY48" fmla="*/ 602275 w 602487"/>
+              <a:gd name="connsiteX49" fmla="*/ 602275 w 602487"/>
+              <a:gd name="connsiteY49" fmla="*/ 602275 w 602487"/>
+              <a:gd name="connsiteX50" fmla="*/ 602275 w 602487"/>
+              <a:gd name="connsiteY50" fmla="*/ 602275 w 602487"/>
+              <a:gd name="connsiteX51" fmla="*/ 602275 w 602487"/>
+              <a:gd name="connsiteY51" fmla="*/ 602275 w 602487"/>
+              <a:gd name="connsiteX52" fmla="*/ 602275 w 602487"/>
+              <a:gd name="connsiteY52" fmla="*/ 602275 w 602487"/>
+              <a:gd name="connsiteX53" fmla="*/ 602275 w 602487"/>
+              <a:gd name="connsiteY53" fmla="*/ 602275 w 602487"/>
+              <a:gd name="connsiteX54" fmla="*/ 602275 w 602487"/>
+              <a:gd name="connsiteY54" fmla="*/ 602275 w 602487"/>
+              <a:gd name="connsiteX55" fmla="*/ 602275 w 602487"/>
+              <a:gd name="connsiteY55" fmla="*/ 602275 w 602487"/>
+              <a:gd name="connsiteX56" fmla="*/ 602275 w 602487"/>
+              <a:gd name="connsiteY56" fmla="*/ 602275 w 602487"/>
+              <a:gd name="connsiteX57" fmla="*/ 602275 w 602487"/>
+              <a:gd name="connsiteY57" fmla="*/ 602275 w 602487"/>
+              <a:gd name="connsiteX58" fmla="*/ 602275 w 602487"/>
+              <a:gd name="connsiteY58" fmla="*/ 602275 w 602487"/>
+              <a:gd name="connsiteX59" fmla="*/ 602275 w 602487"/>
+              <a:gd name="connsiteY59" fmla="*/ 602275 w 602487"/>
+              <a:gd name="connsiteX60" fmla="*/ 602275 w 602487"/>
+              <a:gd name="connsiteY60" fmla="*/ 602275 w 602487"/>
+              <a:gd name="connsiteX61" fmla="*/ 602275 w 602487"/>
+              <a:gd name="connsiteY61" fmla="*/ 602275 w 602487"/>
+              <a:gd name="connsiteX62" fmla="*/ 602275 w 602487"/>
+              <a:gd name="connsiteY62" fmla="*/ 602275 w 602487"/>
+              <a:gd name="connsiteX63" fmla="*/ 602275 w 602487"/>
+              <a:gd name="connsiteY63" fmla="*/ 602275 w 602487"/>
+              <a:gd name="connsiteX64" fmla="*/ 602275 w 602487"/>
+              <a:gd name="connsiteY64" fmla="*/ 602275 w 602487"/>
+              <a:gd name="connsiteX65" fmla="*/ 602275 w 602487"/>
+              <a:gd name="connsiteY65" fmla="*/ 602275 w 602487"/>
+              <a:gd name="connsiteX66" fmla="*/ 602275 w 602487"/>
+              <a:gd name="connsiteY66" fmla="*/ 602275 w 602487"/>
+              <a:gd name="connsiteX67" fmla="*/ 602275 w 602487"/>
+              <a:gd name="connsiteY67" fmla="*/ 602275 w 602487"/>
+              <a:gd name="connsiteX68" fmla="*/ 602275 w 602487"/>
+              <a:gd name="connsiteY68" fmla="*/ 602275 w 602487"/>
+              <a:gd name="connsiteX69" fmla="*/ 602275 w 602487"/>
+              <a:gd name="connsiteY69" fmla="*/ 602275 w 602487"/>
+              <a:gd name="connsiteX70" fmla="*/ 602275 w 602487"/>
+              <a:gd name="connsiteY70" fmla="*/ 602275 w 602487"/>
+              <a:gd name="connsiteX71" fmla="*/ 602275 w 602487"/>
+              <a:gd name="connsiteY71" fmla="*/ 602275 w 602487"/>
+            </a:gdLst>
+            <a:ahLst/>
+            <a:cxnLst>
+              <a:cxn ang="0">
+                <a:pos x="connsiteX0" y="connsiteY0"/>
+              </a:cxn>
+              <a:cxn ang="0">
+                <a:pos x="connsiteX1" y="connsiteY1"/>
+              </a:cxn>
+              <a:cxn ang="0">
+                <a:pos x="connsiteX2" y="connsiteY2"/>
+              </a:cxn>
+              <a:cxn ang="0">
+                <a:pos x="connsiteX3" y="connsiteY3"/>
+              </a:cxn>
+              <a:cxn ang="0">
+                <a:pos x="connsiteX4" y="connsiteY4"/>
+              </a:cxn>
+              <a:cxn ang="0">
+                <a:pos x="connsiteX5" y="connsiteY5"/>
+              </a:cxn>
+              <a:cxn ang="0">
+                <a:pos x="connsiteX6" y="connsiteY6"/>
+              </a:cxn>
+              <a:cxn ang="0">
+                <a:pos x="connsiteX7" y="connsiteY7"/>
+              </a:cxn>
+              <a:cxn ang="0">
+                <a:pos x="connsiteX8" y="connsiteY8"/>
+              </a:cxn>
+              <a:cxn ang="0">
+                <a:pos x="connsiteX9" y="connsiteY9"/>
+              </a:cxn>
+              <a:cxn ang="0">
+                <a:pos x="connsiteX10" y="connsiteY10"/>
+              </a:cxn>
+              <a:cxn ang="0">
+                <a:pos x="connsiteX11" y="connsiteY11"/>
+              </a:cxn>
+              <a:cxn ang="0">
+                <a:pos x="connsiteX12" y="connsiteY12"/>
+              </a:cxn>
+              <a:cxn ang="0">
+                <a:pos x="connsiteX13" y="connsiteY13"/>
+              </a:cxn>
+              <a:cxn ang="0">
+                <a:pos x="connsiteX14" y="connsiteY14"/>
+              </a:cxn>
+              <a:cxn ang="0">
+                <a:pos x="connsiteX15" y="connsiteY15"/>
+              </a:cxn>
+              <a:cxn ang="0">
+                <a:pos x="connsiteX16" y="connsiteY16"/>
+              </a:cxn>
+              <a:cxn ang="0">
+                <a:pos x="connsiteX17" y="connsiteY17"/>
+              </a:cxn>
+              <a:cxn ang="0">
+                <a:pos x="connsiteX18" y="connsiteY18"/>
+              </a:cxn>
+              <a:cxn ang="0">
+                <a:pos x="connsiteX19" y="connsiteY19"/>
+              </a:cxn>
+              <a:cxn ang="0">
+                <a:pos x="connsiteX20" y="connsiteY20"/>
+              </a:cxn>
+              <a:cxn ang="0">
+                <a:pos x="connsiteX21" y="connsiteY21"/>
+              </a:cxn>
+              <a:cxn ang="0">
+                <a:pos x="connsiteX22" y="connsiteY22"/>
+              </a:cxn>
+              <a:cxn ang="0">
+                <a:pos x="connsiteX23" y="connsiteY23"/>
+              </a:cxn>
+              <a:cxn ang="0">
+                <a:pos x="connsiteX24" y="connsiteY24"/>
+              </a:cxn>
+              <a:cxn ang="0">
+                <a:pos x="connsiteX25" y="connsiteY25"/>
+              </a:cxn>
+              <a:cxn ang="0">
+                <a:pos x="connsiteX26" y="connsiteY26"/>
+              </a:cxn>
+              <a:cxn ang="0">
+                <a:pos x="connsiteX27" y="connsiteY27"/>
+              </a:cxn>
+              <a:cxn ang="0">
+                <a:pos x="connsiteX28" y="connsiteY28"/>
+              </a:cxn>
+              <a:cxn ang="0">
+                <a:pos x="connsiteX29" y="connsiteY29"/>
+              </a:cxn>
+              <a:cxn ang="0">
+                <a:pos x="connsiteX30" y="connsiteY30"/>
+              </a:cxn>
+              <a:cxn ang="0">
+                <a:pos x="connsiteX31" y="connsiteY31"/>
+              </a:cxn>
+              <a:cxn ang="0">
+                <a:pos x="connsiteX32" y="connsiteY32"/>
+              </a:cxn>
+              <a:cxn ang="0">
+                <a:pos x="connsiteX33" y="connsiteY33"/>
+              </a:cxn>
+              <a:cxn ang="0">
+                <a:pos x="connsiteX34" y="connsiteY34"/>
+              </a:cxn>
+              <a:cxn ang="0">
+                <a:pos x="connsiteX35" y="connsiteY35"/>
+              </a:cxn>
+              <a:cxn ang="0">
+                <a:pos x="connsiteX36" y="connsiteY36"/>
+              </a:cxn>
+              <a:cxn ang="0">
+                <a:pos x="connsiteX37" y="connsiteY37"/>
+              </a:cxn>
+              <a:cxn ang="0">
+                <a:pos x="connsiteX38" y="connsiteY38"/>
+              </a:cxn>
+              <a:cxn ang="0">
+                <a:pos x="connsiteX39" y="connsiteY39"/>
+              </a:cxn>
+              <a:cxn ang="0">
+                <a:pos x="connsiteX40" y="connsiteY40"/>
+              </a:cxn>
+              <a:cxn ang="0">
+                <a:pos x="connsiteX41" y="connsiteY41"/>
+              </a:cxn>
+              <a:cxn ang="0">
+                <a:pos x="connsiteX42" y="connsiteY42"/>
+              </a:cxn>
+              <a:cxn ang="0">
+                <a:pos x="connsiteX43" y="connsiteY43"/>
+              </a:cxn>
+              <a:cxn ang="0">
+                <a:pos x="connsiteX44" y="connsiteY44"/>
+              </a:cxn>
+              <a:cxn ang="0">
+                <a:pos x="connsiteX45" y="connsiteY45"/>
+              </a:cxn>
+              <a:cxn ang="0">
+                <a:pos x="connsiteX46" y="connsiteY46"/>
+              </a:cxn>
+              <a:cxn ang="0">
+                <a:pos x="connsiteX47" y="connsiteY47"/>
+              </a:cxn>
+              <a:cxn ang="0">
+                <a:pos x="connsiteX48" y="connsiteY48"/>
+              </a:cxn>
+              <a:cxn ang="0">
+                <a:pos x="connsiteX49" y="connsiteY49"/>
+              </a:cxn>
+              <a:cxn ang="0">
+                <a:pos x="connsiteX50" y="connsiteY50"/>
+              </a:cxn>
+              <a:cxn ang="0">
+                <a:pos x="connsiteX51" y="connsiteY51"/>
+              </a:cxn>
+              <a:cxn ang="0">
+                <a:pos x="connsiteX52" y="connsiteY52"/>
+              </a:cxn>
+              <a:cxn ang="0">
+                <a:pos x="connsiteX53" y="connsiteY53"/>
+              </a:cxn>
+              <a:cxn ang="0">
+                <a:pos x="connsiteX54" y="connsiteY54"/>
+              </a:cxn>
+              <a:cxn ang="0">
+                <a:pos x="connsiteX55" y="connsiteY55"/>
+              </a:cxn>
+              <a:cxn ang="0">
+                <a:pos x="connsiteX56" y="connsiteY56"/>
+              </a:cxn>
+              <a:cxn ang="0">
+                <a:pos x="connsiteX57" y="connsiteY57"/>
+              </a:cxn>
+              <a:cxn ang="0">
+                <a:pos x="connsiteX58" y="connsiteY58"/>
+              </a:cxn>
+              <a:cxn ang="0">
+                <a:pos x="connsiteX59" y="connsiteY59"/>
+              </a:cxn>
+              <a:cxn ang="0">
+                <a:pos x="connsiteX60" y="connsiteY60"/>
+              </a:cxn>
+              <a:cxn ang="0">
+                <a:pos x="connsiteX61" y="connsiteY61"/>
+              </a:cxn>
+              <a:cxn ang="0">
+                <a:pos x="connsiteX62" y="connsiteY62"/>
+              </a:cxn>
+              <a:cxn ang="0">
+                <a:pos x="connsiteX63" y="connsiteY63"/>
+              </a:cxn>
+              <a:cxn ang="0">
+                <a:pos x="connsiteX64" y="connsiteY64"/>
+              </a:cxn>
+              <a:cxn ang="0">
+                <a:pos x="connsiteX65" y="connsiteY65"/>
+              </a:cxn>
+              <a:cxn ang="0">
+                <a:pos x="connsiteX66" y="connsiteY66"/>
+              </a:cxn>
+              <a:cxn ang="0">
+                <a:pos x="connsiteX67" y="connsiteY67"/>
+              </a:cxn>
+              <a:cxn ang="0">
+                <a:pos x="connsiteX68" y="connsiteY68"/>
+              </a:cxn>
+              <a:cxn ang="0">
+                <a:pos x="connsiteX69" y="connsiteY69"/>
+              </a:cxn>
+              <a:cxn ang="0">
+                <a:pos x="connsiteX70" y="connsiteY70"/>
+              </a:cxn>
+              <a:cxn ang="0">
+                <a:pos x="connsiteX71" y="connsiteY71"/>
+              </a:cxn>
+            </a:cxnLst>
+            <a:rect l="l" t="t" r="r" b="b"/>
+            <a:pathLst>
+              <a:path w="607639" h="606722">
+                <a:moveTo>
+                  <a:pt x="484100" y="427647"/>
+                </a:moveTo>
+                <a:cubicBezTo>
+                  <a:pt x="452503" y="427647"/>
+                  <a:pt x="426869" y="453242"/>
+                  <a:pt x="426869" y="484791"/>
+                </a:cubicBezTo>
+                <a:cubicBezTo>
+                  <a:pt x="426869" y="516429"/>
+                  <a:pt x="452592" y="542024"/>
+                  <a:pt x="484100" y="542024"/>
+                </a:cubicBezTo>
+                <a:cubicBezTo>
+                  <a:pt x="515697" y="542024"/>
+                  <a:pt x="541419" y="516340"/>
+                  <a:pt x="541419" y="484791"/>
+                </a:cubicBezTo>
+                <a:cubicBezTo>
+                  <a:pt x="541419" y="453153"/>
+                  <a:pt x="515608" y="427647"/>
+                  <a:pt x="484100" y="427647"/>
+                </a:cubicBezTo>
+                <a:close/>
+                <a:moveTo>
+                  <a:pt x="129325" y="427647"/>
+                </a:moveTo>
+                <a:cubicBezTo>
+                  <a:pt x="97639" y="427647"/>
+                  <a:pt x="72094" y="453420"/>
+                  <a:pt x="72094" y="484791"/>
+                </a:cubicBezTo>
+                <a:cubicBezTo>
+                  <a:pt x="72094" y="516340"/>
+                  <a:pt x="97728" y="542024"/>
+                  <a:pt x="129325" y="542024"/>
+                </a:cubicBezTo>
+                <a:cubicBezTo>
+                  <a:pt x="161100" y="542024"/>
+                  <a:pt x="186644" y="516074"/>
+                  <a:pt x="186644" y="484791"/>
+                </a:cubicBezTo>
+                <a:cubicBezTo>
+                  <a:pt x="186644" y="453153"/>
+                  <a:pt x="160833" y="427647"/>
+                  <a:pt x="129325" y="427647"/>
+                </a:cubicBezTo>
+                <a:close/>
+                <a:moveTo>
+                  <a:pt x="303775" y="246158"/>
+                </a:moveTo>
+                <a:cubicBezTo>
+                  <a:pt x="272183" y="246158"/>
+                  <a:pt x="246554" y="271759"/>
+                  <a:pt x="246554" y="303316"/>
+                </a:cubicBezTo>
+                <a:cubicBezTo>
+                  <a:pt x="246554" y="334874"/>
+                  <a:pt x="272183" y="360564"/>
+                  <a:pt x="303775" y="360564"/>
+                </a:cubicBezTo>
+                <a:cubicBezTo>
+                  <a:pt x="335367" y="360564"/>
+                  <a:pt x="361085" y="334874"/>
+                  <a:pt x="361085" y="303316"/>
+                </a:cubicBezTo>
+                <a:cubicBezTo>
+                  <a:pt x="361085" y="271759"/>
+                  <a:pt x="335367" y="246158"/>
+                  <a:pt x="303775" y="246158"/>
+                </a:cubicBezTo>
+                <a:close/>
+                <a:moveTo>
+                  <a:pt x="303775" y="206333"/>
+                </a:moveTo>
+                <a:cubicBezTo>
+                  <a:pt x="357347" y="206333"/>
+                  <a:pt x="400953" y="249891"/>
+                  <a:pt x="400953" y="303316"/>
+                </a:cubicBezTo>
+                <a:cubicBezTo>
+                  <a:pt x="400953" y="356830"/>
+                  <a:pt x="357347" y="400388"/>
+                  <a:pt x="303775" y="400388"/>
+                </a:cubicBezTo>
+                <a:cubicBezTo>
+                  <a:pt x="250292" y="400388"/>
+                  <a:pt x="206686" y="356830"/>
+                  <a:pt x="206686" y="303316"/>
+                </a:cubicBezTo>
+                <a:cubicBezTo>
+                  <a:pt x="206686" y="249891"/>
+                  <a:pt x="250292" y="206333"/>
+                  <a:pt x="303775" y="206333"/>
+                </a:cubicBezTo>
+                <a:close/>
+                <a:moveTo>
+                  <a:pt x="484100" y="64698"/>
+                </a:moveTo>
+                <a:cubicBezTo>
+                  <a:pt x="452592" y="64698"/>
+                  <a:pt x="426869" y="90293"/>
+                  <a:pt x="426869" y="121931"/>
+                </a:cubicBezTo>
+                <a:cubicBezTo>
+                  <a:pt x="426869" y="153392"/>
+                  <a:pt x="452503" y="179075"/>
+                  <a:pt x="484100" y="179075"/>
+                </a:cubicBezTo>
+                <a:cubicBezTo>
+                  <a:pt x="515964" y="179075"/>
+                  <a:pt x="541419" y="153214"/>
+                  <a:pt x="541419" y="121931"/>
+                </a:cubicBezTo>
+                <a:cubicBezTo>
+                  <a:pt x="541419" y="90382"/>
+                  <a:pt x="515697" y="64698"/>
+                  <a:pt x="484100" y="64698"/>
+                </a:cubicBezTo>
+                <a:close/>
+                <a:moveTo>
+                  <a:pt x="129325" y="64698"/>
+                </a:moveTo>
+                <a:cubicBezTo>
+                  <a:pt x="97728" y="64698"/>
+                  <a:pt x="72094" y="90382"/>
+                  <a:pt x="72094" y="121931"/>
+                </a:cubicBezTo>
+                <a:cubicBezTo>
+                  <a:pt x="72094" y="153214"/>
+                  <a:pt x="97639" y="179075"/>
+                  <a:pt x="129325" y="179075"/>
+                </a:cubicBezTo>
+                <a:cubicBezTo>
+                  <a:pt x="161100" y="179075"/>
+                  <a:pt x="186644" y="153303"/>
+                  <a:pt x="186644" y="121931"/>
+                </a:cubicBezTo>
+                <a:cubicBezTo>
+                  <a:pt x="186644" y="90560"/>
+                  <a:pt x="161100" y="64698"/>
+                  <a:pt x="129325" y="64698"/>
+                </a:cubicBezTo>
+                <a:close/>
+                <a:moveTo>
+                  <a:pt x="303775" y="39814"/>
+                </a:moveTo>
+                <a:cubicBezTo>
+                  <a:pt x="269419" y="39814"/>
+                  <a:pt x="235241" y="46569"/>
+                  <a:pt x="203644" y="59455"/>
+                </a:cubicBezTo>
+                <a:cubicBezTo>
+                  <a:pt x="218508" y="77140"/>
+                  <a:pt x="226518" y="99447"/>
+                  <a:pt x="226518" y="121931"/>
+                </a:cubicBezTo>
+                <a:cubicBezTo>
+                  <a:pt x="226518" y="175343"/>
+                  <a:pt x="182906" y="218889"/>
+                  <a:pt x="129325" y="218889"/>
+                </a:cubicBezTo>
+                <a:cubicBezTo>
+                  <a:pt x="105560" y="218889"/>
+                  <a:pt x="81974" y="210180"/>
+                  <a:pt x="63817" y="193472"/>
+                </a:cubicBezTo>
+                <a:cubicBezTo>
+                  <a:pt x="48063" y="227776"/>
+                  <a:pt x="39874" y="265280"/>
+                  <a:pt x="39874" y="303317"/>
+                </a:cubicBezTo>
+                <a:cubicBezTo>
+                  <a:pt x="39874" y="341442"/>
+                  <a:pt x="48063" y="378946"/>
+                  <a:pt x="63817" y="413161"/>
+                </a:cubicBezTo>
+                <a:cubicBezTo>
+                  <a:pt x="81974" y="396542"/>
+                  <a:pt x="105560" y="387833"/>
+                  <a:pt x="129325" y="387833"/>
+                </a:cubicBezTo>
+                <a:cubicBezTo>
+                  <a:pt x="182906" y="387833"/>
+                  <a:pt x="226518" y="431291"/>
+                  <a:pt x="226518" y="484791"/>
+                </a:cubicBezTo>
+                <a:cubicBezTo>
+                  <a:pt x="226518" y="508075"/>
+                  <a:pt x="218063" y="530115"/>
+                  <a:pt x="203644" y="547268"/>
+                </a:cubicBezTo>
+                <a:cubicBezTo>
+                  <a:pt x="235241" y="560154"/>
+                  <a:pt x="269419" y="566908"/>
+                  <a:pt x="303775" y="566908"/>
+                </a:cubicBezTo>
+                <a:cubicBezTo>
+                  <a:pt x="339822" y="566908"/>
+                  <a:pt x="375424" y="559532"/>
+                  <a:pt x="408267" y="545401"/>
+                </a:cubicBezTo>
+                <a:cubicBezTo>
+                  <a:pt x="393848" y="527538"/>
+                  <a:pt x="386995" y="505854"/>
+                  <a:pt x="386995" y="484791"/>
+                </a:cubicBezTo>
+                <a:cubicBezTo>
+                  <a:pt x="386995" y="431291"/>
+                  <a:pt x="430608" y="387833"/>
+                  <a:pt x="484100" y="387833"/>
+                </a:cubicBezTo>
+                <a:cubicBezTo>
+                  <a:pt x="506440" y="387833"/>
+                  <a:pt x="528157" y="395387"/>
+                  <a:pt x="545424" y="409518"/>
+                </a:cubicBezTo>
+                <a:cubicBezTo>
+                  <a:pt x="560110" y="376280"/>
+                  <a:pt x="567765" y="340021"/>
+                  <a:pt x="567765" y="303317"/>
+                </a:cubicBezTo>
+                <a:cubicBezTo>
+                  <a:pt x="567765" y="266702"/>
+                  <a:pt x="560110" y="230443"/>
+                  <a:pt x="545424" y="197205"/>
+                </a:cubicBezTo>
+                <a:cubicBezTo>
+                  <a:pt x="527445" y="211869"/>
+                  <a:pt x="505461" y="218889"/>
+                  <a:pt x="484100" y="218889"/>
+                </a:cubicBezTo>
+                <a:cubicBezTo>
+                  <a:pt x="430518" y="218889"/>
+                  <a:pt x="386995" y="175343"/>
+                  <a:pt x="386995" y="121931"/>
+                </a:cubicBezTo>
+                <a:cubicBezTo>
+                  <a:pt x="386995" y="100247"/>
+                  <a:pt x="394204" y="78740"/>
+                  <a:pt x="408267" y="61232"/>
+                </a:cubicBezTo>
+                <a:cubicBezTo>
+                  <a:pt x="375424" y="47191"/>
+                  <a:pt x="339822" y="39814"/>
+                  <a:pt x="303775" y="39814"/>
+                </a:cubicBezTo>
+                <a:close/>
+                <a:moveTo>
+                  <a:pt x="303775" y="0"/>
+                </a:moveTo>
+                <a:cubicBezTo>
+                  <a:pt x="352461" y="0"/>
+                  <a:pt x="400435" y="11731"/>
+                  <a:pt x="443424" y="33860"/>
+                </a:cubicBezTo>
+                <a:cubicBezTo>
+                  <a:pt x="455796" y="28172"/>
+                  <a:pt x="469592" y="24884"/>
+                  <a:pt x="484100" y="24884"/>
+                </a:cubicBezTo>
+                <a:cubicBezTo>
+                  <a:pt x="537681" y="24884"/>
+                  <a:pt x="581293" y="68431"/>
+                  <a:pt x="581293" y="121931"/>
+                </a:cubicBezTo>
+                <a:cubicBezTo>
+                  <a:pt x="581293" y="136151"/>
+                  <a:pt x="578178" y="149659"/>
+                  <a:pt x="572571" y="161834"/>
+                </a:cubicBezTo>
+                <a:cubicBezTo>
+                  <a:pt x="595534" y="205292"/>
+                  <a:pt x="607639" y="253905"/>
+                  <a:pt x="607639" y="303317"/>
+                </a:cubicBezTo>
+                <a:cubicBezTo>
+                  <a:pt x="607639" y="352729"/>
+                  <a:pt x="595534" y="401430"/>
+                  <a:pt x="572571" y="444799"/>
+                </a:cubicBezTo>
+                <a:cubicBezTo>
+                  <a:pt x="578178" y="457064"/>
+                  <a:pt x="581293" y="470572"/>
+                  <a:pt x="581293" y="484791"/>
+                </a:cubicBezTo>
+                <a:cubicBezTo>
+                  <a:pt x="581293" y="538292"/>
+                  <a:pt x="537681" y="581749"/>
+                  <a:pt x="484100" y="581749"/>
+                </a:cubicBezTo>
+                <a:cubicBezTo>
+                  <a:pt x="469592" y="581749"/>
+                  <a:pt x="455796" y="578550"/>
+                  <a:pt x="443424" y="572774"/>
+                </a:cubicBezTo>
+                <a:cubicBezTo>
+                  <a:pt x="400435" y="594991"/>
+                  <a:pt x="352461" y="606722"/>
+                  <a:pt x="303775" y="606722"/>
+                </a:cubicBezTo>
+                <a:cubicBezTo>
+                  <a:pt x="256246" y="606722"/>
+                  <a:pt x="209162" y="595524"/>
+                  <a:pt x="166974" y="574195"/>
+                </a:cubicBezTo>
+                <a:cubicBezTo>
+                  <a:pt x="155403" y="579083"/>
+                  <a:pt x="142675" y="581749"/>
+                  <a:pt x="129325" y="581749"/>
+                </a:cubicBezTo>
+                <a:cubicBezTo>
+                  <a:pt x="75832" y="581749"/>
+                  <a:pt x="32220" y="538292"/>
+                  <a:pt x="32220" y="484791"/>
+                </a:cubicBezTo>
+                <a:cubicBezTo>
+                  <a:pt x="32220" y="472883"/>
+                  <a:pt x="34356" y="461507"/>
+                  <a:pt x="38361" y="450931"/>
+                </a:cubicBezTo>
+                <a:cubicBezTo>
+                  <a:pt x="13262" y="405963"/>
+                  <a:pt x="0" y="355217"/>
+                  <a:pt x="0" y="303317"/>
+                </a:cubicBezTo>
+                <a:cubicBezTo>
+                  <a:pt x="0" y="251505"/>
+                  <a:pt x="13262" y="200671"/>
+                  <a:pt x="38361" y="155702"/>
+                </a:cubicBezTo>
+                <a:cubicBezTo>
+                  <a:pt x="34356" y="145215"/>
+                  <a:pt x="32220" y="133751"/>
+                  <a:pt x="32220" y="121931"/>
+                </a:cubicBezTo>
+                <a:cubicBezTo>
+                  <a:pt x="32220" y="68431"/>
+                  <a:pt x="75832" y="24884"/>
+                  <a:pt x="129325" y="24884"/>
+                </a:cubicBezTo>
+                <a:cubicBezTo>
+                  <a:pt x="142675" y="24884"/>
+                  <a:pt x="155403" y="27639"/>
+                  <a:pt x="166974" y="32438"/>
+                </a:cubicBezTo>
+                <a:cubicBezTo>
+                  <a:pt x="209162" y="11198"/>
+                  <a:pt x="256246" y="0"/>
+                  <a:pt x="303775" y="0"/>
+                </a:cubicBezTo>
+                <a:close/>
+              </a:path>
+            </a:pathLst>
+          </a:custGeom>
+          <a:solidFill>
+            <a:schemeClr val="accent1">
+              <a:lumMod val="75000"/>
+            </a:schemeClr>
+          </a:solidFill>
+          <a:ln w="127000">
+            <a:solidFill>
+              <a:schemeClr val="accent1">
+                <a:lumMod val="75000"/>
+              </a:schemeClr>
+            </a:solidFill>
+          </a:ln>
+        </p:spPr>
+        <p:style>
+          <a:lnRef idx="2">
+            <a:schemeClr val="accent1">
+              <a:shade val="50000"/>
+            </a:schemeClr>
+          </a:lnRef>
+          <a:fillRef idx="1">
+            <a:schemeClr val="accent1"/>
+          </a:fillRef>
+          <a:effectRef idx="0">
+            <a:schemeClr val="accent1"/>
+          </a:effectRef>
+          <a:fontRef idx="minor">
+            <a:schemeClr val="lt1"/>
+          </a:fontRef>
+        </p:style>
+        <p:txBody>
+          <a:bodyPr rtlCol="0" anchor="ctr"/>
+          <a:lstStyle/>
+          <a:p>
+            <a:pPr algn="ctr"/>
+            <a:endParaRPr lang="en-US"/>
+          </a:p>
+        </p:txBody>
+      </p:sp>
+    </p:spTree>
+    <p:extLst>
+      <p:ext uri="{BB962C8B-B14F-4D97-AF65-F5344CB8AC3E}">
+        <p14:creationId xmlns:p14="http://schemas.microsoft.com/office/powerpoint/2010/main" val="311399775"/>
+      </p:ext>
+    </p:extLst>
+  </p:cSld>
+  <p:clrMapOvr>
+    <a:masterClrMapping/>
+  </p:clrMapOvr>
+</p:sld>
+</file>
+
 <file path=ppt/theme/theme1.xml><?xml version="1.0" encoding="utf-8"?>
 <a:theme xmlns:a="http://schemas.openxmlformats.org/drawingml/2006/main" name="Office 主题​​">
   <a:themeElements>
